--- a/Presentation/CriptoMonitor.pptx
+++ b/Presentation/CriptoMonitor.pptx
@@ -72,8 +72,8 @@
         </p:nvSpPr>
         <p:spPr>
           <a:xfrm>
-            <a:off x="720000" y="300960"/>
-            <a:ext cx="8855280" cy="1262160"/>
+            <a:off x="504000" y="301320"/>
+            <a:ext cx="9072000" cy="1261800"/>
           </a:xfrm>
           <a:prstGeom prst="rect">
             <a:avLst/>
@@ -103,8 +103,8 @@
         </p:nvSpPr>
         <p:spPr>
           <a:xfrm>
-            <a:off x="720000" y="2160000"/>
-            <a:ext cx="8639640" cy="2091240"/>
+            <a:off x="504000" y="1768680"/>
+            <a:ext cx="9072000" cy="2090880"/>
           </a:xfrm>
           <a:prstGeom prst="rect">
             <a:avLst/>
@@ -133,8 +133,8 @@
         </p:nvSpPr>
         <p:spPr>
           <a:xfrm>
-            <a:off x="720000" y="4450320"/>
-            <a:ext cx="8639640" cy="2091240"/>
+            <a:off x="504000" y="4058640"/>
+            <a:ext cx="9072000" cy="2090880"/>
           </a:xfrm>
           <a:prstGeom prst="rect">
             <a:avLst/>
@@ -185,8 +185,8 @@
         </p:nvSpPr>
         <p:spPr>
           <a:xfrm>
-            <a:off x="720000" y="300960"/>
-            <a:ext cx="8855280" cy="1262160"/>
+            <a:off x="504000" y="301320"/>
+            <a:ext cx="9072000" cy="1261800"/>
           </a:xfrm>
           <a:prstGeom prst="rect">
             <a:avLst/>
@@ -216,8 +216,8 @@
         </p:nvSpPr>
         <p:spPr>
           <a:xfrm>
-            <a:off x="720000" y="2160000"/>
-            <a:ext cx="4215960" cy="2091240"/>
+            <a:off x="504000" y="1768680"/>
+            <a:ext cx="4426920" cy="2090880"/>
           </a:xfrm>
           <a:prstGeom prst="rect">
             <a:avLst/>
@@ -246,8 +246,8 @@
         </p:nvSpPr>
         <p:spPr>
           <a:xfrm>
-            <a:off x="5147280" y="2160000"/>
-            <a:ext cx="4215960" cy="2091240"/>
+            <a:off x="5152680" y="1768680"/>
+            <a:ext cx="4426920" cy="2090880"/>
           </a:xfrm>
           <a:prstGeom prst="rect">
             <a:avLst/>
@@ -276,8 +276,8 @@
         </p:nvSpPr>
         <p:spPr>
           <a:xfrm>
-            <a:off x="720000" y="4450320"/>
-            <a:ext cx="4215960" cy="2091240"/>
+            <a:off x="504000" y="4058640"/>
+            <a:ext cx="4426920" cy="2090880"/>
           </a:xfrm>
           <a:prstGeom prst="rect">
             <a:avLst/>
@@ -306,8 +306,8 @@
         </p:nvSpPr>
         <p:spPr>
           <a:xfrm>
-            <a:off x="5147280" y="4450320"/>
-            <a:ext cx="4215960" cy="2091240"/>
+            <a:off x="5152680" y="4058640"/>
+            <a:ext cx="4426920" cy="2090880"/>
           </a:xfrm>
           <a:prstGeom prst="rect">
             <a:avLst/>
@@ -358,8 +358,8 @@
         </p:nvSpPr>
         <p:spPr>
           <a:xfrm>
-            <a:off x="720000" y="300960"/>
-            <a:ext cx="8855280" cy="1262160"/>
+            <a:off x="504000" y="301320"/>
+            <a:ext cx="9072000" cy="1261800"/>
           </a:xfrm>
           <a:prstGeom prst="rect">
             <a:avLst/>
@@ -389,8 +389,8 @@
         </p:nvSpPr>
         <p:spPr>
           <a:xfrm>
-            <a:off x="720000" y="2160000"/>
-            <a:ext cx="2781720" cy="2091240"/>
+            <a:off x="504000" y="1768680"/>
+            <a:ext cx="2921040" cy="2090880"/>
           </a:xfrm>
           <a:prstGeom prst="rect">
             <a:avLst/>
@@ -419,8 +419,8 @@
         </p:nvSpPr>
         <p:spPr>
           <a:xfrm>
-            <a:off x="3641040" y="2160000"/>
-            <a:ext cx="2781720" cy="2091240"/>
+            <a:off x="3571560" y="1768680"/>
+            <a:ext cx="2921040" cy="2090880"/>
           </a:xfrm>
           <a:prstGeom prst="rect">
             <a:avLst/>
@@ -449,8 +449,8 @@
         </p:nvSpPr>
         <p:spPr>
           <a:xfrm>
-            <a:off x="6562440" y="2160000"/>
-            <a:ext cx="2781720" cy="2091240"/>
+            <a:off x="6639120" y="1768680"/>
+            <a:ext cx="2921040" cy="2090880"/>
           </a:xfrm>
           <a:prstGeom prst="rect">
             <a:avLst/>
@@ -479,8 +479,8 @@
         </p:nvSpPr>
         <p:spPr>
           <a:xfrm>
-            <a:off x="720000" y="4450320"/>
-            <a:ext cx="2781720" cy="2091240"/>
+            <a:off x="504000" y="4058640"/>
+            <a:ext cx="2921040" cy="2090880"/>
           </a:xfrm>
           <a:prstGeom prst="rect">
             <a:avLst/>
@@ -509,8 +509,8 @@
         </p:nvSpPr>
         <p:spPr>
           <a:xfrm>
-            <a:off x="3641040" y="4450320"/>
-            <a:ext cx="2781720" cy="2091240"/>
+            <a:off x="3571560" y="4058640"/>
+            <a:ext cx="2921040" cy="2090880"/>
           </a:xfrm>
           <a:prstGeom prst="rect">
             <a:avLst/>
@@ -539,8 +539,8 @@
         </p:nvSpPr>
         <p:spPr>
           <a:xfrm>
-            <a:off x="6562440" y="4450320"/>
-            <a:ext cx="2781720" cy="2091240"/>
+            <a:off x="6639120" y="4058640"/>
+            <a:ext cx="2921040" cy="2090880"/>
           </a:xfrm>
           <a:prstGeom prst="rect">
             <a:avLst/>
@@ -613,8 +613,8 @@
         </p:nvSpPr>
         <p:spPr>
           <a:xfrm>
-            <a:off x="720000" y="300960"/>
-            <a:ext cx="8855280" cy="1262160"/>
+            <a:off x="504000" y="301320"/>
+            <a:ext cx="9072000" cy="1261800"/>
           </a:xfrm>
           <a:prstGeom prst="rect">
             <a:avLst/>
@@ -644,8 +644,8 @@
         </p:nvSpPr>
         <p:spPr>
           <a:xfrm>
-            <a:off x="720000" y="2160000"/>
-            <a:ext cx="8639640" cy="4384440"/>
+            <a:off x="504000" y="1768680"/>
+            <a:ext cx="9072000" cy="4384080"/>
           </a:xfrm>
           <a:prstGeom prst="rect">
             <a:avLst/>
@@ -697,8 +697,8 @@
         </p:nvSpPr>
         <p:spPr>
           <a:xfrm>
-            <a:off x="720000" y="300960"/>
-            <a:ext cx="8855280" cy="1262160"/>
+            <a:off x="504000" y="301320"/>
+            <a:ext cx="9072000" cy="1261800"/>
           </a:xfrm>
           <a:prstGeom prst="rect">
             <a:avLst/>
@@ -728,8 +728,8 @@
         </p:nvSpPr>
         <p:spPr>
           <a:xfrm>
-            <a:off x="720000" y="2160000"/>
-            <a:ext cx="8639640" cy="4384440"/>
+            <a:off x="504000" y="1768680"/>
+            <a:ext cx="9072000" cy="4384080"/>
           </a:xfrm>
           <a:prstGeom prst="rect">
             <a:avLst/>
@@ -780,8 +780,8 @@
         </p:nvSpPr>
         <p:spPr>
           <a:xfrm>
-            <a:off x="720000" y="300960"/>
-            <a:ext cx="8855280" cy="1262160"/>
+            <a:off x="504000" y="301320"/>
+            <a:ext cx="9072000" cy="1261800"/>
           </a:xfrm>
           <a:prstGeom prst="rect">
             <a:avLst/>
@@ -811,8 +811,8 @@
         </p:nvSpPr>
         <p:spPr>
           <a:xfrm>
-            <a:off x="720000" y="2160000"/>
-            <a:ext cx="4215960" cy="4384440"/>
+            <a:off x="504000" y="1768680"/>
+            <a:ext cx="4426920" cy="4384080"/>
           </a:xfrm>
           <a:prstGeom prst="rect">
             <a:avLst/>
@@ -841,8 +841,8 @@
         </p:nvSpPr>
         <p:spPr>
           <a:xfrm>
-            <a:off x="5147280" y="2160000"/>
-            <a:ext cx="4215960" cy="4384440"/>
+            <a:off x="5152680" y="1768680"/>
+            <a:ext cx="4426920" cy="4384080"/>
           </a:xfrm>
           <a:prstGeom prst="rect">
             <a:avLst/>
@@ -893,8 +893,8 @@
         </p:nvSpPr>
         <p:spPr>
           <a:xfrm>
-            <a:off x="720000" y="300960"/>
-            <a:ext cx="8855280" cy="1262160"/>
+            <a:off x="504000" y="301320"/>
+            <a:ext cx="9072000" cy="1261800"/>
           </a:xfrm>
           <a:prstGeom prst="rect">
             <a:avLst/>
@@ -946,8 +946,8 @@
         </p:nvSpPr>
         <p:spPr>
           <a:xfrm>
-            <a:off x="720000" y="300960"/>
-            <a:ext cx="8855280" cy="5851800"/>
+            <a:off x="504000" y="301320"/>
+            <a:ext cx="9072000" cy="5850360"/>
           </a:xfrm>
           <a:prstGeom prst="rect">
             <a:avLst/>
@@ -999,8 +999,8 @@
         </p:nvSpPr>
         <p:spPr>
           <a:xfrm>
-            <a:off x="720000" y="300960"/>
-            <a:ext cx="8855280" cy="1262160"/>
+            <a:off x="504000" y="301320"/>
+            <a:ext cx="9072000" cy="1261800"/>
           </a:xfrm>
           <a:prstGeom prst="rect">
             <a:avLst/>
@@ -1030,8 +1030,8 @@
         </p:nvSpPr>
         <p:spPr>
           <a:xfrm>
-            <a:off x="720000" y="2160000"/>
-            <a:ext cx="4215960" cy="2091240"/>
+            <a:off x="504000" y="1768680"/>
+            <a:ext cx="4426920" cy="2090880"/>
           </a:xfrm>
           <a:prstGeom prst="rect">
             <a:avLst/>
@@ -1060,8 +1060,8 @@
         </p:nvSpPr>
         <p:spPr>
           <a:xfrm>
-            <a:off x="5147280" y="2160000"/>
-            <a:ext cx="4215960" cy="4384440"/>
+            <a:off x="5152680" y="1768680"/>
+            <a:ext cx="4426920" cy="4384080"/>
           </a:xfrm>
           <a:prstGeom prst="rect">
             <a:avLst/>
@@ -1090,8 +1090,8 @@
         </p:nvSpPr>
         <p:spPr>
           <a:xfrm>
-            <a:off x="720000" y="4450320"/>
-            <a:ext cx="4215960" cy="2091240"/>
+            <a:off x="504000" y="4058640"/>
+            <a:ext cx="4426920" cy="2090880"/>
           </a:xfrm>
           <a:prstGeom prst="rect">
             <a:avLst/>
@@ -1142,8 +1142,8 @@
         </p:nvSpPr>
         <p:spPr>
           <a:xfrm>
-            <a:off x="720000" y="300960"/>
-            <a:ext cx="8855280" cy="1262160"/>
+            <a:off x="504000" y="301320"/>
+            <a:ext cx="9072000" cy="1261800"/>
           </a:xfrm>
           <a:prstGeom prst="rect">
             <a:avLst/>
@@ -1173,8 +1173,8 @@
         </p:nvSpPr>
         <p:spPr>
           <a:xfrm>
-            <a:off x="720000" y="2160000"/>
-            <a:ext cx="8639640" cy="4384440"/>
+            <a:off x="504000" y="1768680"/>
+            <a:ext cx="9072000" cy="4384080"/>
           </a:xfrm>
           <a:prstGeom prst="rect">
             <a:avLst/>
@@ -1226,8 +1226,8 @@
         </p:nvSpPr>
         <p:spPr>
           <a:xfrm>
-            <a:off x="720000" y="300960"/>
-            <a:ext cx="8855280" cy="1262160"/>
+            <a:off x="504000" y="301320"/>
+            <a:ext cx="9072000" cy="1261800"/>
           </a:xfrm>
           <a:prstGeom prst="rect">
             <a:avLst/>
@@ -1257,8 +1257,8 @@
         </p:nvSpPr>
         <p:spPr>
           <a:xfrm>
-            <a:off x="720000" y="2160000"/>
-            <a:ext cx="4215960" cy="4384440"/>
+            <a:off x="504000" y="1768680"/>
+            <a:ext cx="4426920" cy="4384080"/>
           </a:xfrm>
           <a:prstGeom prst="rect">
             <a:avLst/>
@@ -1287,8 +1287,8 @@
         </p:nvSpPr>
         <p:spPr>
           <a:xfrm>
-            <a:off x="5147280" y="2160000"/>
-            <a:ext cx="4215960" cy="2091240"/>
+            <a:off x="5152680" y="1768680"/>
+            <a:ext cx="4426920" cy="2090880"/>
           </a:xfrm>
           <a:prstGeom prst="rect">
             <a:avLst/>
@@ -1317,8 +1317,8 @@
         </p:nvSpPr>
         <p:spPr>
           <a:xfrm>
-            <a:off x="5147280" y="4450320"/>
-            <a:ext cx="4215960" cy="2091240"/>
+            <a:off x="5152680" y="4058640"/>
+            <a:ext cx="4426920" cy="2090880"/>
           </a:xfrm>
           <a:prstGeom prst="rect">
             <a:avLst/>
@@ -1369,8 +1369,8 @@
         </p:nvSpPr>
         <p:spPr>
           <a:xfrm>
-            <a:off x="720000" y="300960"/>
-            <a:ext cx="8855280" cy="1262160"/>
+            <a:off x="504000" y="301320"/>
+            <a:ext cx="9072000" cy="1261800"/>
           </a:xfrm>
           <a:prstGeom prst="rect">
             <a:avLst/>
@@ -1400,8 +1400,8 @@
         </p:nvSpPr>
         <p:spPr>
           <a:xfrm>
-            <a:off x="720000" y="2160000"/>
-            <a:ext cx="4215960" cy="2091240"/>
+            <a:off x="504000" y="1768680"/>
+            <a:ext cx="4426920" cy="2090880"/>
           </a:xfrm>
           <a:prstGeom prst="rect">
             <a:avLst/>
@@ -1430,8 +1430,8 @@
         </p:nvSpPr>
         <p:spPr>
           <a:xfrm>
-            <a:off x="5147280" y="2160000"/>
-            <a:ext cx="4215960" cy="2091240"/>
+            <a:off x="5152680" y="1768680"/>
+            <a:ext cx="4426920" cy="2090880"/>
           </a:xfrm>
           <a:prstGeom prst="rect">
             <a:avLst/>
@@ -1460,8 +1460,8 @@
         </p:nvSpPr>
         <p:spPr>
           <a:xfrm>
-            <a:off x="720000" y="4450320"/>
-            <a:ext cx="8639640" cy="2091240"/>
+            <a:off x="504000" y="4058640"/>
+            <a:ext cx="9072000" cy="2090880"/>
           </a:xfrm>
           <a:prstGeom prst="rect">
             <a:avLst/>
@@ -1512,8 +1512,8 @@
         </p:nvSpPr>
         <p:spPr>
           <a:xfrm>
-            <a:off x="720000" y="300960"/>
-            <a:ext cx="8855280" cy="1262160"/>
+            <a:off x="504000" y="301320"/>
+            <a:ext cx="9072000" cy="1261800"/>
           </a:xfrm>
           <a:prstGeom prst="rect">
             <a:avLst/>
@@ -1543,8 +1543,8 @@
         </p:nvSpPr>
         <p:spPr>
           <a:xfrm>
-            <a:off x="720000" y="2160000"/>
-            <a:ext cx="8639640" cy="2091240"/>
+            <a:off x="504000" y="1768680"/>
+            <a:ext cx="9072000" cy="2090880"/>
           </a:xfrm>
           <a:prstGeom prst="rect">
             <a:avLst/>
@@ -1573,8 +1573,8 @@
         </p:nvSpPr>
         <p:spPr>
           <a:xfrm>
-            <a:off x="720000" y="4450320"/>
-            <a:ext cx="8639640" cy="2091240"/>
+            <a:off x="504000" y="4058640"/>
+            <a:ext cx="9072000" cy="2090880"/>
           </a:xfrm>
           <a:prstGeom prst="rect">
             <a:avLst/>
@@ -1625,8 +1625,8 @@
         </p:nvSpPr>
         <p:spPr>
           <a:xfrm>
-            <a:off x="720000" y="300960"/>
-            <a:ext cx="8855280" cy="1262160"/>
+            <a:off x="504000" y="301320"/>
+            <a:ext cx="9072000" cy="1261800"/>
           </a:xfrm>
           <a:prstGeom prst="rect">
             <a:avLst/>
@@ -1656,8 +1656,8 @@
         </p:nvSpPr>
         <p:spPr>
           <a:xfrm>
-            <a:off x="720000" y="2160000"/>
-            <a:ext cx="4215960" cy="2091240"/>
+            <a:off x="504000" y="1768680"/>
+            <a:ext cx="4426920" cy="2090880"/>
           </a:xfrm>
           <a:prstGeom prst="rect">
             <a:avLst/>
@@ -1686,8 +1686,8 @@
         </p:nvSpPr>
         <p:spPr>
           <a:xfrm>
-            <a:off x="5147280" y="2160000"/>
-            <a:ext cx="4215960" cy="2091240"/>
+            <a:off x="5152680" y="1768680"/>
+            <a:ext cx="4426920" cy="2090880"/>
           </a:xfrm>
           <a:prstGeom prst="rect">
             <a:avLst/>
@@ -1716,8 +1716,8 @@
         </p:nvSpPr>
         <p:spPr>
           <a:xfrm>
-            <a:off x="720000" y="4450320"/>
-            <a:ext cx="4215960" cy="2091240"/>
+            <a:off x="504000" y="4058640"/>
+            <a:ext cx="4426920" cy="2090880"/>
           </a:xfrm>
           <a:prstGeom prst="rect">
             <a:avLst/>
@@ -1746,8 +1746,8 @@
         </p:nvSpPr>
         <p:spPr>
           <a:xfrm>
-            <a:off x="5147280" y="4450320"/>
-            <a:ext cx="4215960" cy="2091240"/>
+            <a:off x="5152680" y="4058640"/>
+            <a:ext cx="4426920" cy="2090880"/>
           </a:xfrm>
           <a:prstGeom prst="rect">
             <a:avLst/>
@@ -1798,8 +1798,8 @@
         </p:nvSpPr>
         <p:spPr>
           <a:xfrm>
-            <a:off x="720000" y="300960"/>
-            <a:ext cx="8855280" cy="1262160"/>
+            <a:off x="504000" y="301320"/>
+            <a:ext cx="9072000" cy="1261800"/>
           </a:xfrm>
           <a:prstGeom prst="rect">
             <a:avLst/>
@@ -1829,8 +1829,8 @@
         </p:nvSpPr>
         <p:spPr>
           <a:xfrm>
-            <a:off x="720000" y="2160000"/>
-            <a:ext cx="2781720" cy="2091240"/>
+            <a:off x="504000" y="1768680"/>
+            <a:ext cx="2921040" cy="2090880"/>
           </a:xfrm>
           <a:prstGeom prst="rect">
             <a:avLst/>
@@ -1859,8 +1859,8 @@
         </p:nvSpPr>
         <p:spPr>
           <a:xfrm>
-            <a:off x="3641040" y="2160000"/>
-            <a:ext cx="2781720" cy="2091240"/>
+            <a:off x="3571560" y="1768680"/>
+            <a:ext cx="2921040" cy="2090880"/>
           </a:xfrm>
           <a:prstGeom prst="rect">
             <a:avLst/>
@@ -1889,8 +1889,8 @@
         </p:nvSpPr>
         <p:spPr>
           <a:xfrm>
-            <a:off x="6562440" y="2160000"/>
-            <a:ext cx="2781720" cy="2091240"/>
+            <a:off x="6639120" y="1768680"/>
+            <a:ext cx="2921040" cy="2090880"/>
           </a:xfrm>
           <a:prstGeom prst="rect">
             <a:avLst/>
@@ -1919,8 +1919,8 @@
         </p:nvSpPr>
         <p:spPr>
           <a:xfrm>
-            <a:off x="720000" y="4450320"/>
-            <a:ext cx="2781720" cy="2091240"/>
+            <a:off x="504000" y="4058640"/>
+            <a:ext cx="2921040" cy="2090880"/>
           </a:xfrm>
           <a:prstGeom prst="rect">
             <a:avLst/>
@@ -1949,8 +1949,8 @@
         </p:nvSpPr>
         <p:spPr>
           <a:xfrm>
-            <a:off x="3641040" y="4450320"/>
-            <a:ext cx="2781720" cy="2091240"/>
+            <a:off x="3571560" y="4058640"/>
+            <a:ext cx="2921040" cy="2090880"/>
           </a:xfrm>
           <a:prstGeom prst="rect">
             <a:avLst/>
@@ -1979,8 +1979,8 @@
         </p:nvSpPr>
         <p:spPr>
           <a:xfrm>
-            <a:off x="6562440" y="4450320"/>
-            <a:ext cx="2781720" cy="2091240"/>
+            <a:off x="6639120" y="4058640"/>
+            <a:ext cx="2921040" cy="2090880"/>
           </a:xfrm>
           <a:prstGeom prst="rect">
             <a:avLst/>
@@ -2031,8 +2031,8 @@
         </p:nvSpPr>
         <p:spPr>
           <a:xfrm>
-            <a:off x="720000" y="300960"/>
-            <a:ext cx="8855280" cy="1262160"/>
+            <a:off x="504000" y="301320"/>
+            <a:ext cx="9072000" cy="1261800"/>
           </a:xfrm>
           <a:prstGeom prst="rect">
             <a:avLst/>
@@ -2062,8 +2062,8 @@
         </p:nvSpPr>
         <p:spPr>
           <a:xfrm>
-            <a:off x="720000" y="2160000"/>
-            <a:ext cx="8639640" cy="4384440"/>
+            <a:off x="504000" y="1768680"/>
+            <a:ext cx="9072000" cy="4384080"/>
           </a:xfrm>
           <a:prstGeom prst="rect">
             <a:avLst/>
@@ -2114,8 +2114,8 @@
         </p:nvSpPr>
         <p:spPr>
           <a:xfrm>
-            <a:off x="720000" y="300960"/>
-            <a:ext cx="8855280" cy="1262160"/>
+            <a:off x="504000" y="301320"/>
+            <a:ext cx="9072000" cy="1261800"/>
           </a:xfrm>
           <a:prstGeom prst="rect">
             <a:avLst/>
@@ -2145,8 +2145,8 @@
         </p:nvSpPr>
         <p:spPr>
           <a:xfrm>
-            <a:off x="720000" y="2160000"/>
-            <a:ext cx="4215960" cy="4384440"/>
+            <a:off x="504000" y="1768680"/>
+            <a:ext cx="4426920" cy="4384080"/>
           </a:xfrm>
           <a:prstGeom prst="rect">
             <a:avLst/>
@@ -2175,8 +2175,8 @@
         </p:nvSpPr>
         <p:spPr>
           <a:xfrm>
-            <a:off x="5147280" y="2160000"/>
-            <a:ext cx="4215960" cy="4384440"/>
+            <a:off x="5152680" y="1768680"/>
+            <a:ext cx="4426920" cy="4384080"/>
           </a:xfrm>
           <a:prstGeom prst="rect">
             <a:avLst/>
@@ -2227,8 +2227,8 @@
         </p:nvSpPr>
         <p:spPr>
           <a:xfrm>
-            <a:off x="720000" y="300960"/>
-            <a:ext cx="8855280" cy="1262160"/>
+            <a:off x="504000" y="301320"/>
+            <a:ext cx="9072000" cy="1261800"/>
           </a:xfrm>
           <a:prstGeom prst="rect">
             <a:avLst/>
@@ -2280,8 +2280,8 @@
         </p:nvSpPr>
         <p:spPr>
           <a:xfrm>
-            <a:off x="720000" y="300960"/>
-            <a:ext cx="8855280" cy="5851800"/>
+            <a:off x="504000" y="301320"/>
+            <a:ext cx="9072000" cy="5850360"/>
           </a:xfrm>
           <a:prstGeom prst="rect">
             <a:avLst/>
@@ -2333,8 +2333,8 @@
         </p:nvSpPr>
         <p:spPr>
           <a:xfrm>
-            <a:off x="720000" y="300960"/>
-            <a:ext cx="8855280" cy="1262160"/>
+            <a:off x="504000" y="301320"/>
+            <a:ext cx="9072000" cy="1261800"/>
           </a:xfrm>
           <a:prstGeom prst="rect">
             <a:avLst/>
@@ -2364,8 +2364,8 @@
         </p:nvSpPr>
         <p:spPr>
           <a:xfrm>
-            <a:off x="720000" y="2160000"/>
-            <a:ext cx="4215960" cy="2091240"/>
+            <a:off x="504000" y="1768680"/>
+            <a:ext cx="4426920" cy="2090880"/>
           </a:xfrm>
           <a:prstGeom prst="rect">
             <a:avLst/>
@@ -2394,8 +2394,8 @@
         </p:nvSpPr>
         <p:spPr>
           <a:xfrm>
-            <a:off x="5147280" y="2160000"/>
-            <a:ext cx="4215960" cy="4384440"/>
+            <a:off x="5152680" y="1768680"/>
+            <a:ext cx="4426920" cy="4384080"/>
           </a:xfrm>
           <a:prstGeom prst="rect">
             <a:avLst/>
@@ -2424,8 +2424,8 @@
         </p:nvSpPr>
         <p:spPr>
           <a:xfrm>
-            <a:off x="720000" y="4450320"/>
-            <a:ext cx="4215960" cy="2091240"/>
+            <a:off x="504000" y="4058640"/>
+            <a:ext cx="4426920" cy="2090880"/>
           </a:xfrm>
           <a:prstGeom prst="rect">
             <a:avLst/>
@@ -2476,8 +2476,8 @@
         </p:nvSpPr>
         <p:spPr>
           <a:xfrm>
-            <a:off x="720000" y="300960"/>
-            <a:ext cx="8855280" cy="1262160"/>
+            <a:off x="504000" y="301320"/>
+            <a:ext cx="9072000" cy="1261800"/>
           </a:xfrm>
           <a:prstGeom prst="rect">
             <a:avLst/>
@@ -2507,8 +2507,8 @@
         </p:nvSpPr>
         <p:spPr>
           <a:xfrm>
-            <a:off x="720000" y="2160000"/>
-            <a:ext cx="4215960" cy="4384440"/>
+            <a:off x="504000" y="1768680"/>
+            <a:ext cx="4426920" cy="4384080"/>
           </a:xfrm>
           <a:prstGeom prst="rect">
             <a:avLst/>
@@ -2537,8 +2537,8 @@
         </p:nvSpPr>
         <p:spPr>
           <a:xfrm>
-            <a:off x="5147280" y="2160000"/>
-            <a:ext cx="4215960" cy="2091240"/>
+            <a:off x="5152680" y="1768680"/>
+            <a:ext cx="4426920" cy="2090880"/>
           </a:xfrm>
           <a:prstGeom prst="rect">
             <a:avLst/>
@@ -2567,8 +2567,8 @@
         </p:nvSpPr>
         <p:spPr>
           <a:xfrm>
-            <a:off x="5147280" y="4450320"/>
-            <a:ext cx="4215960" cy="2091240"/>
+            <a:off x="5152680" y="4058640"/>
+            <a:ext cx="4426920" cy="2090880"/>
           </a:xfrm>
           <a:prstGeom prst="rect">
             <a:avLst/>
@@ -2619,8 +2619,8 @@
         </p:nvSpPr>
         <p:spPr>
           <a:xfrm>
-            <a:off x="720000" y="300960"/>
-            <a:ext cx="8855280" cy="1262160"/>
+            <a:off x="504000" y="301320"/>
+            <a:ext cx="9072000" cy="1261800"/>
           </a:xfrm>
           <a:prstGeom prst="rect">
             <a:avLst/>
@@ -2650,8 +2650,8 @@
         </p:nvSpPr>
         <p:spPr>
           <a:xfrm>
-            <a:off x="720000" y="2160000"/>
-            <a:ext cx="4215960" cy="2091240"/>
+            <a:off x="504000" y="1768680"/>
+            <a:ext cx="4426920" cy="2090880"/>
           </a:xfrm>
           <a:prstGeom prst="rect">
             <a:avLst/>
@@ -2680,8 +2680,8 @@
         </p:nvSpPr>
         <p:spPr>
           <a:xfrm>
-            <a:off x="5147280" y="2160000"/>
-            <a:ext cx="4215960" cy="2091240"/>
+            <a:off x="5152680" y="1768680"/>
+            <a:ext cx="4426920" cy="2090880"/>
           </a:xfrm>
           <a:prstGeom prst="rect">
             <a:avLst/>
@@ -2710,8 +2710,8 @@
         </p:nvSpPr>
         <p:spPr>
           <a:xfrm>
-            <a:off x="720000" y="4450320"/>
-            <a:ext cx="8639640" cy="2091240"/>
+            <a:off x="504000" y="4058640"/>
+            <a:ext cx="9072000" cy="2090880"/>
           </a:xfrm>
           <a:prstGeom prst="rect">
             <a:avLst/>
@@ -2759,7 +2759,7 @@
         <p:spPr>
           <a:xfrm>
             <a:off x="0" y="4320000"/>
-            <a:ext cx="503640" cy="1079640"/>
+            <a:ext cx="503280" cy="1079280"/>
           </a:xfrm>
           <a:prstGeom prst="rect">
             <a:avLst/>
@@ -2791,7 +2791,7 @@
         <p:spPr>
           <a:xfrm>
             <a:off x="720000" y="300960"/>
-            <a:ext cx="8855280" cy="1262160"/>
+            <a:ext cx="8854920" cy="1262160"/>
           </a:xfrm>
           <a:prstGeom prst="rect">
             <a:avLst/>
@@ -2826,8 +2826,8 @@
         </p:nvSpPr>
         <p:spPr>
           <a:xfrm>
-            <a:off x="504000" y="1768680"/>
-            <a:ext cx="9072000" cy="4384080"/>
+            <a:off x="720000" y="2160000"/>
+            <a:ext cx="8639280" cy="4384080"/>
           </a:xfrm>
           <a:prstGeom prst="rect">
             <a:avLst/>
@@ -2850,12 +2850,12 @@
               <a:buChar char=""/>
             </a:pPr>
             <a:r>
-              <a:rPr b="0" lang="ru-RU" sz="3200" spc="-1" strike="noStrike">
+              <a:rPr b="0" lang="ru-RU" sz="1800" spc="-1" strike="noStrike">
                 <a:latin typeface="Arial"/>
               </a:rPr>
               <a:t>Для правки структуры щёлкните мышью</a:t>
             </a:r>
-            <a:endParaRPr b="0" lang="ru-RU" sz="3200" spc="-1" strike="noStrike">
+            <a:endParaRPr b="0" lang="ru-RU" sz="1800" spc="-1" strike="noStrike">
               <a:latin typeface="Arial"/>
             </a:endParaRPr>
           </a:p>
@@ -2872,12 +2872,12 @@
               <a:buChar char=""/>
             </a:pPr>
             <a:r>
-              <a:rPr b="0" lang="ru-RU" sz="2800" spc="-1" strike="noStrike">
+              <a:rPr b="0" lang="ru-RU" sz="1800" spc="-1" strike="noStrike">
                 <a:latin typeface="Arial"/>
               </a:rPr>
               <a:t>Второй уровень структуры</a:t>
             </a:r>
-            <a:endParaRPr b="0" lang="ru-RU" sz="2800" spc="-1" strike="noStrike">
+            <a:endParaRPr b="0" lang="ru-RU" sz="1800" spc="-1" strike="noStrike">
               <a:latin typeface="Arial"/>
             </a:endParaRPr>
           </a:p>
@@ -2894,12 +2894,12 @@
               <a:buChar char=""/>
             </a:pPr>
             <a:r>
-              <a:rPr b="0" lang="ru-RU" sz="2400" spc="-1" strike="noStrike">
+              <a:rPr b="0" lang="ru-RU" sz="1800" spc="-1" strike="noStrike">
                 <a:latin typeface="Arial"/>
               </a:rPr>
               <a:t>Третий уровень структуры</a:t>
             </a:r>
-            <a:endParaRPr b="0" lang="ru-RU" sz="2400" spc="-1" strike="noStrike">
+            <a:endParaRPr b="0" lang="ru-RU" sz="1800" spc="-1" strike="noStrike">
               <a:latin typeface="Arial"/>
             </a:endParaRPr>
           </a:p>
@@ -2916,12 +2916,12 @@
               <a:buChar char=""/>
             </a:pPr>
             <a:r>
-              <a:rPr b="0" lang="ru-RU" sz="2000" spc="-1" strike="noStrike">
+              <a:rPr b="0" lang="ru-RU" sz="1800" spc="-1" strike="noStrike">
                 <a:latin typeface="Arial"/>
               </a:rPr>
               <a:t>Четвёртый уровень структуры</a:t>
             </a:r>
-            <a:endParaRPr b="0" lang="ru-RU" sz="2000" spc="-1" strike="noStrike">
+            <a:endParaRPr b="0" lang="ru-RU" sz="1800" spc="-1" strike="noStrike">
               <a:latin typeface="Arial"/>
             </a:endParaRPr>
           </a:p>
@@ -2938,12 +2938,12 @@
               <a:buChar char=""/>
             </a:pPr>
             <a:r>
-              <a:rPr b="0" lang="ru-RU" sz="2000" spc="-1" strike="noStrike">
+              <a:rPr b="0" lang="ru-RU" sz="1800" spc="-1" strike="noStrike">
                 <a:latin typeface="Arial"/>
               </a:rPr>
               <a:t>Пятый уровень структуры</a:t>
             </a:r>
-            <a:endParaRPr b="0" lang="ru-RU" sz="2000" spc="-1" strike="noStrike">
+            <a:endParaRPr b="0" lang="ru-RU" sz="1800" spc="-1" strike="noStrike">
               <a:latin typeface="Arial"/>
             </a:endParaRPr>
           </a:p>
@@ -2960,12 +2960,12 @@
               <a:buChar char=""/>
             </a:pPr>
             <a:r>
-              <a:rPr b="0" lang="ru-RU" sz="2000" spc="-1" strike="noStrike">
+              <a:rPr b="0" lang="ru-RU" sz="1800" spc="-1" strike="noStrike">
                 <a:latin typeface="Arial"/>
               </a:rPr>
               <a:t>Шестой уровень структуры</a:t>
             </a:r>
-            <a:endParaRPr b="0" lang="ru-RU" sz="2000" spc="-1" strike="noStrike">
+            <a:endParaRPr b="0" lang="ru-RU" sz="1800" spc="-1" strike="noStrike">
               <a:latin typeface="Arial"/>
             </a:endParaRPr>
           </a:p>
@@ -2982,12 +2982,12 @@
               <a:buChar char=""/>
             </a:pPr>
             <a:r>
-              <a:rPr b="0" lang="ru-RU" sz="2000" spc="-1" strike="noStrike">
+              <a:rPr b="0" lang="ru-RU" sz="1800" spc="-1" strike="noStrike">
                 <a:latin typeface="Arial"/>
               </a:rPr>
               <a:t>Седьмой уровень структуры</a:t>
             </a:r>
-            <a:endParaRPr b="0" lang="ru-RU" sz="2000" spc="-1" strike="noStrike">
+            <a:endParaRPr b="0" lang="ru-RU" sz="1800" spc="-1" strike="noStrike">
               <a:latin typeface="Arial"/>
             </a:endParaRPr>
           </a:p>
@@ -3039,7 +3039,7 @@
         <p:spPr>
           <a:xfrm>
             <a:off x="0" y="288000"/>
-            <a:ext cx="503640" cy="1079640"/>
+            <a:ext cx="503280" cy="1079280"/>
           </a:xfrm>
           <a:prstGeom prst="rect">
             <a:avLst/>
@@ -3070,8 +3070,8 @@
         </p:nvSpPr>
         <p:spPr>
           <a:xfrm>
-            <a:off x="720000" y="300960"/>
-            <a:ext cx="8855280" cy="1262160"/>
+            <a:off x="504000" y="301320"/>
+            <a:ext cx="9072000" cy="1261800"/>
           </a:xfrm>
           <a:prstGeom prst="rect">
             <a:avLst/>
@@ -3079,16 +3079,17 @@
         </p:spPr>
         <p:txBody>
           <a:bodyPr lIns="0" rIns="0" tIns="0" bIns="0" anchor="ctr">
-            <a:spAutoFit/>
-          </a:bodyPr>
-          <a:p>
+            <a:noAutofit/>
+          </a:bodyPr>
+          <a:p>
+            <a:pPr algn="ctr"/>
             <a:r>
-              <a:rPr b="0" lang="ru-RU" sz="1800" spc="-1" strike="noStrike">
+              <a:rPr b="0" lang="ru-RU" sz="4400" spc="-1" strike="noStrike">
                 <a:latin typeface="Arial"/>
               </a:rPr>
               <a:t>Для правки текста заглавия щёлкните мышью</a:t>
             </a:r>
-            <a:endParaRPr b="0" lang="ru-RU" sz="1800" spc="-1" strike="noStrike">
+            <a:endParaRPr b="0" lang="ru-RU" sz="4400" spc="-1" strike="noStrike">
               <a:latin typeface="Arial"/>
             </a:endParaRPr>
           </a:p>
@@ -3106,8 +3107,8 @@
         </p:nvSpPr>
         <p:spPr>
           <a:xfrm>
-            <a:off x="720000" y="2160000"/>
-            <a:ext cx="8639640" cy="4384440"/>
+            <a:off x="504000" y="1768680"/>
+            <a:ext cx="9072000" cy="4384080"/>
           </a:xfrm>
           <a:prstGeom prst="rect">
             <a:avLst/>
@@ -3115,7 +3116,7 @@
         </p:spPr>
         <p:txBody>
           <a:bodyPr lIns="0" rIns="0" tIns="0" bIns="0">
-            <a:noAutofit/>
+            <a:normAutofit/>
           </a:bodyPr>
           <a:p>
             <a:pPr marL="432000" indent="-324000">
@@ -3130,12 +3131,12 @@
               <a:buChar char=""/>
             </a:pPr>
             <a:r>
-              <a:rPr b="0" lang="ru-RU" sz="1800" spc="-1" strike="noStrike">
+              <a:rPr b="0" lang="ru-RU" sz="3200" spc="-1" strike="noStrike">
                 <a:latin typeface="Arial"/>
               </a:rPr>
               <a:t>Для правки структуры щёлкните мышью</a:t>
             </a:r>
-            <a:endParaRPr b="0" lang="ru-RU" sz="1800" spc="-1" strike="noStrike">
+            <a:endParaRPr b="0" lang="ru-RU" sz="3200" spc="-1" strike="noStrike">
               <a:latin typeface="Arial"/>
             </a:endParaRPr>
           </a:p>
@@ -3152,12 +3153,12 @@
               <a:buChar char=""/>
             </a:pPr>
             <a:r>
-              <a:rPr b="0" lang="ru-RU" sz="1800" spc="-1" strike="noStrike">
+              <a:rPr b="0" lang="ru-RU" sz="2800" spc="-1" strike="noStrike">
                 <a:latin typeface="Arial"/>
               </a:rPr>
               <a:t>Второй уровень структуры</a:t>
             </a:r>
-            <a:endParaRPr b="0" lang="ru-RU" sz="1800" spc="-1" strike="noStrike">
+            <a:endParaRPr b="0" lang="ru-RU" sz="2800" spc="-1" strike="noStrike">
               <a:latin typeface="Arial"/>
             </a:endParaRPr>
           </a:p>
@@ -3174,12 +3175,12 @@
               <a:buChar char=""/>
             </a:pPr>
             <a:r>
-              <a:rPr b="0" lang="ru-RU" sz="1800" spc="-1" strike="noStrike">
+              <a:rPr b="0" lang="ru-RU" sz="2400" spc="-1" strike="noStrike">
                 <a:latin typeface="Arial"/>
               </a:rPr>
               <a:t>Третий уровень структуры</a:t>
             </a:r>
-            <a:endParaRPr b="0" lang="ru-RU" sz="1800" spc="-1" strike="noStrike">
+            <a:endParaRPr b="0" lang="ru-RU" sz="2400" spc="-1" strike="noStrike">
               <a:latin typeface="Arial"/>
             </a:endParaRPr>
           </a:p>
@@ -3196,12 +3197,12 @@
               <a:buChar char=""/>
             </a:pPr>
             <a:r>
-              <a:rPr b="0" lang="ru-RU" sz="1800" spc="-1" strike="noStrike">
+              <a:rPr b="0" lang="ru-RU" sz="2000" spc="-1" strike="noStrike">
                 <a:latin typeface="Arial"/>
               </a:rPr>
               <a:t>Четвёртый уровень структуры</a:t>
             </a:r>
-            <a:endParaRPr b="0" lang="ru-RU" sz="1800" spc="-1" strike="noStrike">
+            <a:endParaRPr b="0" lang="ru-RU" sz="2000" spc="-1" strike="noStrike">
               <a:latin typeface="Arial"/>
             </a:endParaRPr>
           </a:p>
@@ -3218,12 +3219,12 @@
               <a:buChar char=""/>
             </a:pPr>
             <a:r>
-              <a:rPr b="0" lang="ru-RU" sz="1800" spc="-1" strike="noStrike">
+              <a:rPr b="0" lang="ru-RU" sz="2000" spc="-1" strike="noStrike">
                 <a:latin typeface="Arial"/>
               </a:rPr>
               <a:t>Пятый уровень структуры</a:t>
             </a:r>
-            <a:endParaRPr b="0" lang="ru-RU" sz="1800" spc="-1" strike="noStrike">
+            <a:endParaRPr b="0" lang="ru-RU" sz="2000" spc="-1" strike="noStrike">
               <a:latin typeface="Arial"/>
             </a:endParaRPr>
           </a:p>
@@ -3240,12 +3241,12 @@
               <a:buChar char=""/>
             </a:pPr>
             <a:r>
-              <a:rPr b="0" lang="ru-RU" sz="1800" spc="-1" strike="noStrike">
+              <a:rPr b="0" lang="ru-RU" sz="2000" spc="-1" strike="noStrike">
                 <a:latin typeface="Arial"/>
               </a:rPr>
               <a:t>Шестой уровень структуры</a:t>
             </a:r>
-            <a:endParaRPr b="0" lang="ru-RU" sz="1800" spc="-1" strike="noStrike">
+            <a:endParaRPr b="0" lang="ru-RU" sz="2000" spc="-1" strike="noStrike">
               <a:latin typeface="Arial"/>
             </a:endParaRPr>
           </a:p>
@@ -3262,12 +3263,12 @@
               <a:buChar char=""/>
             </a:pPr>
             <a:r>
-              <a:rPr b="0" lang="ru-RU" sz="1800" spc="-1" strike="noStrike">
+              <a:rPr b="0" lang="ru-RU" sz="2000" spc="-1" strike="noStrike">
                 <a:latin typeface="Arial"/>
               </a:rPr>
               <a:t>Седьмой уровень структуры</a:t>
             </a:r>
-            <a:endParaRPr b="0" lang="ru-RU" sz="1800" spc="-1" strike="noStrike">
+            <a:endParaRPr b="0" lang="ru-RU" sz="2000" spc="-1" strike="noStrike">
               <a:latin typeface="Arial"/>
             </a:endParaRPr>
           </a:p>
@@ -3319,7 +3320,7 @@
         <p:spPr>
           <a:xfrm>
             <a:off x="648000" y="72000"/>
-            <a:ext cx="8424000" cy="1080000"/>
+            <a:ext cx="8423640" cy="1079640"/>
           </a:xfrm>
           <a:prstGeom prst="rect">
             <a:avLst/>
@@ -3351,6 +3352,7 @@
                   <a:srgbClr val="333333"/>
                 </a:solidFill>
                 <a:latin typeface="Noto Sans Regular"/>
+                <a:ea typeface="DejaVu Sans"/>
               </a:rPr>
               <a:t>Приложение для мониторинга цен крипотовалют «CriptoMonitor»</a:t>
             </a:r>
@@ -3362,14 +3364,14 @@
       </p:sp>
       <p:sp>
         <p:nvSpPr>
-          <p:cNvPr id="79" name="TextShape 2"/>
-          <p:cNvSpPr txBox="1"/>
+          <p:cNvPr id="79" name="CustomShape 2"/>
+          <p:cNvSpPr/>
           <p:nvPr/>
         </p:nvSpPr>
         <p:spPr>
           <a:xfrm>
             <a:off x="504000" y="1080000"/>
-            <a:ext cx="9288000" cy="1786320"/>
+            <a:ext cx="9287640" cy="1581480"/>
           </a:xfrm>
           <a:prstGeom prst="rect">
             <a:avLst/>
@@ -3379,96 +3381,86 @@
             <a:noFill/>
           </a:ln>
         </p:spPr>
+        <p:style>
+          <a:lnRef idx="0"/>
+          <a:fillRef idx="0"/>
+          <a:effectRef idx="0"/>
+          <a:fontRef idx="minor"/>
+        </p:style>
         <p:txBody>
           <a:bodyPr lIns="90000" rIns="90000" tIns="45000" bIns="45000">
             <a:spAutoFit/>
           </a:bodyPr>
           <a:p>
+            <a:pPr>
+              <a:lnSpc>
+                <a:spcPct val="100000"/>
+              </a:lnSpc>
+            </a:pPr>
             <a:r>
               <a:rPr b="0" lang="ru-RU" sz="1400" spc="-1" strike="noStrike">
                 <a:latin typeface="Noto Sans Regular"/>
               </a:rPr>
-              <a:t>Приложение предназначено для мониторинга цен криптовалют с веб-сервиса https://whattomine.com. </a:t>
+              <a:t>Приложение предназначено для мониторинга цен криптовалют с веб-сервиса https://whattomine.com.</a:t>
             </a:r>
             <a:endParaRPr b="0" lang="ru-RU" sz="1400" spc="-1" strike="noStrike">
               <a:latin typeface="Arial"/>
             </a:endParaRPr>
           </a:p>
           <a:p>
-            <a:endParaRPr b="0" lang="ru-RU" sz="1400" spc="-1" strike="noStrike">
-              <a:latin typeface="Arial"/>
-            </a:endParaRPr>
-          </a:p>
-          <a:p>
+            <a:pPr>
+              <a:lnSpc>
+                <a:spcPct val="100000"/>
+              </a:lnSpc>
+            </a:pPr>
             <a:r>
               <a:rPr b="0" lang="ru-RU" sz="1400" spc="-1" strike="noStrike">
                 <a:latin typeface="Noto Sans Regular"/>
               </a:rPr>
-              <a:t>Веб-сервис предоставляет данные по множеству криптовалют, из которых пользователь может выбрать нужные ему для мониторинга. Для каждой валюты, выбранной для мониторинга пользователь может настроить максимальную и минимальную границы. При выходе текущей цены любой криптовалюты, выбранной для мониторинга, за пределы границ, пользователю отправляется уведомление об этом.</a:t>
+              <a:t>Цена криптовалюты представлена в отношении к цене биткоина.</a:t>
             </a:r>
             <a:endParaRPr b="0" lang="ru-RU" sz="1400" spc="-1" strike="noStrike">
               <a:latin typeface="Arial"/>
             </a:endParaRPr>
           </a:p>
-        </p:txBody>
-      </p:sp>
-      <p:pic>
-        <p:nvPicPr>
-          <p:cNvPr id="80" name="" descr=""/>
-          <p:cNvPicPr/>
-          <p:nvPr/>
-        </p:nvPicPr>
-        <p:blipFill>
-          <a:blip r:embed="rId1"/>
-          <a:stretch/>
-        </p:blipFill>
-        <p:spPr>
-          <a:xfrm>
-            <a:off x="6984000" y="2919240"/>
-            <a:ext cx="2448000" cy="4352760"/>
-          </a:xfrm>
-          <a:prstGeom prst="rect">
-            <a:avLst/>
-          </a:prstGeom>
-          <a:ln>
-            <a:noFill/>
-          </a:ln>
-        </p:spPr>
-      </p:pic>
-      <p:pic>
-        <p:nvPicPr>
-          <p:cNvPr id="81" name="" descr=""/>
-          <p:cNvPicPr/>
-          <p:nvPr/>
-        </p:nvPicPr>
-        <p:blipFill>
-          <a:blip r:embed="rId2"/>
-          <a:srcRect l="0" t="0" r="7" b="74047"/>
-          <a:stretch/>
-        </p:blipFill>
-        <p:spPr>
-          <a:xfrm>
-            <a:off x="3384360" y="4896000"/>
-            <a:ext cx="4319640" cy="1992960"/>
-          </a:xfrm>
-          <a:prstGeom prst="rect">
-            <a:avLst/>
-          </a:prstGeom>
-          <a:ln>
-            <a:noFill/>
-          </a:ln>
-        </p:spPr>
-      </p:pic>
-      <p:sp>
-        <p:nvSpPr>
-          <p:cNvPr id="82" name="CustomShape 3"/>
+          <a:p>
+            <a:pPr>
+              <a:lnSpc>
+                <a:spcPct val="100000"/>
+              </a:lnSpc>
+            </a:pPr>
+            <a:endParaRPr b="0" lang="ru-RU" sz="1400" spc="-1" strike="noStrike">
+              <a:latin typeface="Arial"/>
+            </a:endParaRPr>
+          </a:p>
+          <a:p>
+            <a:pPr>
+              <a:lnSpc>
+                <a:spcPct val="100000"/>
+              </a:lnSpc>
+            </a:pPr>
+            <a:r>
+              <a:rPr b="0" lang="ru-RU" sz="1400" spc="-1" strike="noStrike">
+                <a:latin typeface="Noto Sans Regular"/>
+              </a:rPr>
+              <a:t>Веб-сервис предоставляет данные по множеству криптовалют, из которых пользователь может выбрать нужные ему для мониторинга. Для каждой криптовалюты, выбранной для мониторинга, пользователь может настроить максимальную и минимальную границы цены, при выходе  за пределы которых пользователю отправляется уведомление об этом.</a:t>
+            </a:r>
+            <a:endParaRPr b="0" lang="ru-RU" sz="1400" spc="-1" strike="noStrike">
+              <a:latin typeface="Arial"/>
+            </a:endParaRPr>
+          </a:p>
+        </p:txBody>
+      </p:sp>
+      <p:sp>
+        <p:nvSpPr>
+          <p:cNvPr id="80" name="CustomShape 3"/>
           <p:cNvSpPr/>
           <p:nvPr/>
         </p:nvSpPr>
         <p:spPr>
           <a:xfrm>
             <a:off x="3744000" y="4896000"/>
-            <a:ext cx="288000" cy="288000"/>
+            <a:ext cx="287640" cy="287640"/>
           </a:xfrm>
           <a:prstGeom prst="ellipse">
             <a:avLst/>
@@ -3489,14 +3481,14 @@
       </p:sp>
       <p:sp>
         <p:nvSpPr>
-          <p:cNvPr id="83" name="TextShape 4"/>
-          <p:cNvSpPr txBox="1"/>
+          <p:cNvPr id="81" name="CustomShape 4"/>
+          <p:cNvSpPr/>
           <p:nvPr/>
         </p:nvSpPr>
         <p:spPr>
           <a:xfrm>
             <a:off x="792000" y="3384000"/>
-            <a:ext cx="5904000" cy="1152000"/>
+            <a:ext cx="5903640" cy="1063800"/>
           </a:xfrm>
           <a:prstGeom prst="rect">
             <a:avLst/>
@@ -3506,6 +3498,12 @@
             <a:noFill/>
           </a:ln>
         </p:spPr>
+        <p:style>
+          <a:lnRef idx="0"/>
+          <a:fillRef idx="0"/>
+          <a:effectRef idx="0"/>
+          <a:fontRef idx="minor"/>
+        </p:style>
         <p:txBody>
           <a:bodyPr lIns="90000" rIns="90000" tIns="45000" bIns="45000">
             <a:spAutoFit/>
@@ -3537,6 +3535,11 @@
             </a:endParaRPr>
           </a:p>
           <a:p>
+            <a:pPr>
+              <a:lnSpc>
+                <a:spcPct val="100000"/>
+              </a:lnSpc>
+            </a:pPr>
             <a:r>
               <a:rPr b="0" lang="ru-RU" sz="1600" spc="-1" strike="noStrike">
                 <a:latin typeface="Arial"/>
@@ -3549,6 +3552,53 @@
           </a:p>
         </p:txBody>
       </p:sp>
+      <p:pic>
+        <p:nvPicPr>
+          <p:cNvPr id="82" name="" descr=""/>
+          <p:cNvPicPr/>
+          <p:nvPr/>
+        </p:nvPicPr>
+        <p:blipFill>
+          <a:blip r:embed="rId1"/>
+          <a:stretch/>
+        </p:blipFill>
+        <p:spPr>
+          <a:xfrm>
+            <a:off x="6840000" y="2959200"/>
+            <a:ext cx="2304000" cy="4096800"/>
+          </a:xfrm>
+          <a:prstGeom prst="rect">
+            <a:avLst/>
+          </a:prstGeom>
+          <a:ln>
+            <a:noFill/>
+          </a:ln>
+        </p:spPr>
+      </p:pic>
+      <p:pic>
+        <p:nvPicPr>
+          <p:cNvPr id="83" name="" descr=""/>
+          <p:cNvPicPr/>
+          <p:nvPr/>
+        </p:nvPicPr>
+        <p:blipFill>
+          <a:blip r:embed="rId2"/>
+          <a:srcRect l="0" t="0" r="7" b="74057"/>
+          <a:stretch/>
+        </p:blipFill>
+        <p:spPr>
+          <a:xfrm>
+            <a:off x="3600720" y="4680000"/>
+            <a:ext cx="4319280" cy="1992600"/>
+          </a:xfrm>
+          <a:prstGeom prst="rect">
+            <a:avLst/>
+          </a:prstGeom>
+          <a:ln>
+            <a:noFill/>
+          </a:ln>
+        </p:spPr>
+      </p:pic>
     </p:spTree>
   </p:cSld>
   <mc:AlternateContent>
@@ -3588,7 +3638,7 @@
         <p:spPr>
           <a:xfrm>
             <a:off x="720000" y="169920"/>
-            <a:ext cx="8855280" cy="1524240"/>
+            <a:ext cx="8854920" cy="1523880"/>
           </a:xfrm>
           <a:prstGeom prst="rect">
             <a:avLst/>
@@ -3614,7 +3664,7 @@
         <p:spPr>
           <a:xfrm>
             <a:off x="720000" y="2160000"/>
-            <a:ext cx="8639640" cy="4384440"/>
+            <a:ext cx="8639280" cy="4384080"/>
           </a:xfrm>
           <a:prstGeom prst="rect">
             <a:avLst/>
@@ -3644,7 +3694,7 @@
         <p:spPr>
           <a:xfrm>
             <a:off x="1224000" y="864000"/>
-            <a:ext cx="3312000" cy="5888880"/>
+            <a:ext cx="3311640" cy="5888520"/>
           </a:xfrm>
           <a:prstGeom prst="rect">
             <a:avLst/>
@@ -3656,14 +3706,14 @@
       </p:pic>
       <p:sp>
         <p:nvSpPr>
-          <p:cNvPr id="87" name="TextShape 3"/>
-          <p:cNvSpPr txBox="1"/>
+          <p:cNvPr id="87" name="CustomShape 3"/>
+          <p:cNvSpPr/>
           <p:nvPr/>
         </p:nvSpPr>
         <p:spPr>
           <a:xfrm>
             <a:off x="5184000" y="1080000"/>
-            <a:ext cx="4278960" cy="1896120"/>
+            <a:ext cx="4278600" cy="2036520"/>
           </a:xfrm>
           <a:prstGeom prst="rect">
             <a:avLst/>
@@ -3673,11 +3723,22 @@
             <a:noFill/>
           </a:ln>
         </p:spPr>
+        <p:style>
+          <a:lnRef idx="0"/>
+          <a:fillRef idx="0"/>
+          <a:effectRef idx="0"/>
+          <a:fontRef idx="minor"/>
+        </p:style>
         <p:txBody>
           <a:bodyPr lIns="90000" rIns="90000" tIns="45000" bIns="45000">
             <a:spAutoFit/>
           </a:bodyPr>
           <a:p>
+            <a:pPr>
+              <a:lnSpc>
+                <a:spcPct val="100000"/>
+              </a:lnSpc>
+            </a:pPr>
             <a:r>
               <a:rPr b="0" lang="ru-RU" sz="1600" spc="-1" strike="noStrike">
                 <a:latin typeface="Arial"/>
@@ -3689,11 +3750,21 @@
             </a:endParaRPr>
           </a:p>
           <a:p>
+            <a:pPr>
+              <a:lnSpc>
+                <a:spcPct val="100000"/>
+              </a:lnSpc>
+            </a:pPr>
             <a:endParaRPr b="0" lang="ru-RU" sz="1600" spc="-1" strike="noStrike">
               <a:latin typeface="Arial"/>
             </a:endParaRPr>
           </a:p>
           <a:p>
+            <a:pPr>
+              <a:lnSpc>
+                <a:spcPct val="100000"/>
+              </a:lnSpc>
+            </a:pPr>
             <a:r>
               <a:rPr b="0" lang="ru-RU" sz="1600" spc="-1" strike="noStrike">
                 <a:latin typeface="Arial"/>
@@ -3738,14 +3809,14 @@
       </p:grpSpPr>
       <p:sp>
         <p:nvSpPr>
-          <p:cNvPr id="88" name="TextShape 1"/>
-          <p:cNvSpPr txBox="1"/>
+          <p:cNvPr id="88" name="CustomShape 1"/>
+          <p:cNvSpPr/>
           <p:nvPr/>
         </p:nvSpPr>
         <p:spPr>
           <a:xfrm>
-            <a:off x="5328000" y="1020960"/>
-            <a:ext cx="4248000" cy="1283040"/>
+            <a:off x="4968360" y="1153440"/>
+            <a:ext cx="4247640" cy="2950560"/>
           </a:xfrm>
           <a:prstGeom prst="rect">
             <a:avLst/>
@@ -3755,11 +3826,22 @@
             <a:noFill/>
           </a:ln>
         </p:spPr>
+        <p:style>
+          <a:lnRef idx="0"/>
+          <a:fillRef idx="0"/>
+          <a:effectRef idx="0"/>
+          <a:fontRef idx="minor"/>
+        </p:style>
         <p:txBody>
           <a:bodyPr lIns="0" rIns="0" tIns="0" bIns="0" anchor="ctr">
             <a:spAutoFit/>
           </a:bodyPr>
           <a:p>
+            <a:pPr>
+              <a:lnSpc>
+                <a:spcPct val="100000"/>
+              </a:lnSpc>
+            </a:pPr>
             <a:r>
               <a:rPr b="0" lang="ru-RU" sz="1600" spc="-1" strike="noStrike">
                 <a:latin typeface="Arial"/>
@@ -3773,6 +3855,58 @@
               </a:rPr>
               <a:t>Слева отображаются наименования криптовалют, справа — текущие цены.</a:t>
             </a:r>
+            <a:endParaRPr b="0" lang="ru-RU" sz="1600" spc="-1" strike="noStrike">
+              <a:latin typeface="Arial"/>
+            </a:endParaRPr>
+          </a:p>
+          <a:p>
+            <a:pPr>
+              <a:lnSpc>
+                <a:spcPct val="100000"/>
+              </a:lnSpc>
+            </a:pPr>
+            <a:r>
+              <a:rPr b="0" lang="ru-RU" sz="1600" spc="-1" strike="noStrike">
+                <a:latin typeface="Arial"/>
+              </a:rPr>
+              <a:t>Цена криптовалюты представлена в отношении к цене биткоина</a:t>
+            </a:r>
+            <a:endParaRPr b="0" lang="ru-RU" sz="1600" spc="-1" strike="noStrike">
+              <a:latin typeface="Arial"/>
+            </a:endParaRPr>
+          </a:p>
+          <a:p>
+            <a:pPr>
+              <a:lnSpc>
+                <a:spcPct val="100000"/>
+              </a:lnSpc>
+            </a:pPr>
+            <a:endParaRPr b="0" lang="ru-RU" sz="1600" spc="-1" strike="noStrike">
+              <a:latin typeface="Arial"/>
+            </a:endParaRPr>
+          </a:p>
+          <a:p>
+            <a:pPr>
+              <a:lnSpc>
+                <a:spcPct val="100000"/>
+              </a:lnSpc>
+            </a:pPr>
+            <a:endParaRPr b="0" lang="ru-RU" sz="1600" spc="-1" strike="noStrike">
+              <a:latin typeface="Arial"/>
+            </a:endParaRPr>
+          </a:p>
+          <a:p>
+            <a:pPr>
+              <a:lnSpc>
+                <a:spcPct val="100000"/>
+              </a:lnSpc>
+            </a:pPr>
+            <a:r>
+              <a:rPr b="0" lang="ru-RU" sz="1600" spc="-1" strike="noStrike">
+                <a:latin typeface="Arial"/>
+              </a:rPr>
+              <a:t>При первоначальном запуске приложения на экране не присутствует ни одной криптовалюты.</a:t>
+            </a:r>
             <a:br/>
             <a:endParaRPr b="0" lang="ru-RU" sz="1600" spc="-1" strike="noStrike">
               <a:latin typeface="Arial"/>
@@ -3793,7 +3927,7 @@
         <p:spPr>
           <a:xfrm>
             <a:off x="1224000" y="864000"/>
-            <a:ext cx="3335760" cy="5931000"/>
+            <a:ext cx="3335400" cy="5930640"/>
           </a:xfrm>
           <a:prstGeom prst="rect">
             <a:avLst/>
@@ -3835,14 +3969,14 @@
       </p:grpSpPr>
       <p:sp>
         <p:nvSpPr>
-          <p:cNvPr id="90" name="TextShape 1"/>
-          <p:cNvSpPr txBox="1"/>
+          <p:cNvPr id="90" name="CustomShape 1"/>
+          <p:cNvSpPr/>
           <p:nvPr/>
         </p:nvSpPr>
         <p:spPr>
           <a:xfrm>
-            <a:off x="792000" y="618480"/>
-            <a:ext cx="8712000" cy="677520"/>
+            <a:off x="792000" y="592560"/>
+            <a:ext cx="8711640" cy="729360"/>
           </a:xfrm>
           <a:prstGeom prst="rect">
             <a:avLst/>
@@ -3852,11 +3986,22 @@
             <a:noFill/>
           </a:ln>
         </p:spPr>
+        <p:style>
+          <a:lnRef idx="0"/>
+          <a:fillRef idx="0"/>
+          <a:effectRef idx="0"/>
+          <a:fontRef idx="minor"/>
+        </p:style>
         <p:txBody>
           <a:bodyPr lIns="0" rIns="0" tIns="0" bIns="0" anchor="ctr">
             <a:spAutoFit/>
           </a:bodyPr>
           <a:p>
+            <a:pPr>
+              <a:lnSpc>
+                <a:spcPct val="100000"/>
+              </a:lnSpc>
+            </a:pPr>
             <a:r>
               <a:rPr b="0" lang="ru-RU" sz="1600" spc="-1" strike="noStrike">
                 <a:latin typeface="Arial"/>
@@ -3882,7 +4027,7 @@
         <p:spPr>
           <a:xfrm>
             <a:off x="1728000" y="1605240"/>
-            <a:ext cx="2903760" cy="5162760"/>
+            <a:ext cx="2903400" cy="5162400"/>
           </a:xfrm>
           <a:prstGeom prst="rect">
             <a:avLst/>
@@ -3905,7 +4050,7 @@
         <p:spPr>
           <a:xfrm>
             <a:off x="5736240" y="1605240"/>
-            <a:ext cx="2903760" cy="5162760"/>
+            <a:ext cx="2903400" cy="5162400"/>
           </a:xfrm>
           <a:prstGeom prst="rect">
             <a:avLst/>
@@ -3947,14 +4092,14 @@
       </p:grpSpPr>
       <p:sp>
         <p:nvSpPr>
-          <p:cNvPr id="93" name="TextShape 1"/>
-          <p:cNvSpPr txBox="1"/>
+          <p:cNvPr id="93" name="CustomShape 1"/>
+          <p:cNvSpPr/>
           <p:nvPr/>
         </p:nvSpPr>
         <p:spPr>
           <a:xfrm>
-            <a:off x="4680000" y="967320"/>
-            <a:ext cx="4608000" cy="2257560"/>
+            <a:off x="4680000" y="864000"/>
+            <a:ext cx="4607640" cy="2463840"/>
           </a:xfrm>
           <a:prstGeom prst="rect">
             <a:avLst/>
@@ -3964,11 +4109,22 @@
             <a:noFill/>
           </a:ln>
         </p:spPr>
+        <p:style>
+          <a:lnRef idx="0"/>
+          <a:fillRef idx="0"/>
+          <a:effectRef idx="0"/>
+          <a:fontRef idx="minor"/>
+        </p:style>
         <p:txBody>
           <a:bodyPr lIns="0" rIns="0" tIns="0" bIns="0" anchor="ctr">
             <a:spAutoFit/>
           </a:bodyPr>
           <a:p>
+            <a:pPr>
+              <a:lnSpc>
+                <a:spcPct val="100000"/>
+              </a:lnSpc>
+            </a:pPr>
             <a:r>
               <a:rPr b="0" lang="ru-RU" sz="1600" spc="-1" strike="noStrike">
                 <a:latin typeface="Arial"/>
@@ -4002,7 +4158,7 @@
         <p:spPr>
           <a:xfrm>
             <a:off x="860400" y="720000"/>
-            <a:ext cx="3459600" cy="6150960"/>
+            <a:ext cx="3459240" cy="6150600"/>
           </a:xfrm>
           <a:prstGeom prst="rect">
             <a:avLst/>
@@ -4044,14 +4200,14 @@
       </p:grpSpPr>
       <p:sp>
         <p:nvSpPr>
-          <p:cNvPr id="95" name="TextShape 1"/>
-          <p:cNvSpPr txBox="1"/>
+          <p:cNvPr id="95" name="CustomShape 1"/>
+          <p:cNvSpPr/>
           <p:nvPr/>
         </p:nvSpPr>
         <p:spPr>
           <a:xfrm>
-            <a:off x="4824000" y="822960"/>
-            <a:ext cx="4680000" cy="4217040"/>
+            <a:off x="4824000" y="710640"/>
+            <a:ext cx="4679640" cy="4441680"/>
           </a:xfrm>
           <a:prstGeom prst="rect">
             <a:avLst/>
@@ -4061,11 +4217,22 @@
             <a:noFill/>
           </a:ln>
         </p:spPr>
+        <p:style>
+          <a:lnRef idx="0"/>
+          <a:fillRef idx="0"/>
+          <a:effectRef idx="0"/>
+          <a:fontRef idx="minor"/>
+        </p:style>
         <p:txBody>
           <a:bodyPr lIns="0" rIns="0" tIns="0" bIns="0" anchor="ctr">
             <a:spAutoFit/>
           </a:bodyPr>
           <a:p>
+            <a:pPr>
+              <a:lnSpc>
+                <a:spcPct val="100000"/>
+              </a:lnSpc>
+            </a:pPr>
             <a:r>
               <a:rPr b="0" lang="ru-RU" sz="1600" spc="-1" strike="noStrike">
                 <a:latin typeface="Arial"/>
@@ -4114,7 +4281,7 @@
         <p:spPr>
           <a:xfrm>
             <a:off x="864000" y="648000"/>
-            <a:ext cx="3528000" cy="6272640"/>
+            <a:ext cx="3527640" cy="6272280"/>
           </a:xfrm>
           <a:prstGeom prst="rect">
             <a:avLst/>
@@ -4132,13 +4299,13 @@
         </p:nvPicPr>
         <p:blipFill>
           <a:blip r:embed="rId2"/>
-          <a:srcRect l="3384" t="34327" r="3475" b="37093"/>
+          <a:srcRect l="3384" t="34333" r="3475" b="37098"/>
           <a:stretch/>
         </p:blipFill>
         <p:spPr>
           <a:xfrm>
             <a:off x="5616000" y="5230080"/>
-            <a:ext cx="2952000" cy="1609920"/>
+            <a:ext cx="2951640" cy="1609560"/>
           </a:xfrm>
           <a:prstGeom prst="rect">
             <a:avLst/>
@@ -4191,7 +4358,7 @@
         <p:spPr>
           <a:xfrm>
             <a:off x="1008000" y="792000"/>
-            <a:ext cx="3461040" cy="6153480"/>
+            <a:ext cx="3460680" cy="6153120"/>
           </a:xfrm>
           <a:prstGeom prst="rect">
             <a:avLst/>
@@ -4203,14 +4370,14 @@
       </p:pic>
       <p:sp>
         <p:nvSpPr>
-          <p:cNvPr id="99" name="TextShape 1"/>
-          <p:cNvSpPr txBox="1"/>
+          <p:cNvPr id="99" name="CustomShape 1"/>
+          <p:cNvSpPr/>
           <p:nvPr/>
         </p:nvSpPr>
         <p:spPr>
           <a:xfrm>
             <a:off x="4968000" y="864000"/>
-            <a:ext cx="4608000" cy="2952000"/>
+            <a:ext cx="4607640" cy="2768760"/>
           </a:xfrm>
           <a:prstGeom prst="rect">
             <a:avLst/>
@@ -4220,12 +4387,22 @@
             <a:noFill/>
           </a:ln>
         </p:spPr>
+        <p:style>
+          <a:lnRef idx="0"/>
+          <a:fillRef idx="0"/>
+          <a:effectRef idx="0"/>
+          <a:fontRef idx="minor"/>
+        </p:style>
         <p:txBody>
           <a:bodyPr lIns="90000" rIns="90000" tIns="45000" bIns="45000">
             <a:spAutoFit/>
           </a:bodyPr>
           <a:p>
-            <a:pPr algn="just"/>
+            <a:pPr algn="just">
+              <a:lnSpc>
+                <a:spcPct val="100000"/>
+              </a:lnSpc>
+            </a:pPr>
             <a:r>
               <a:rPr b="0" lang="ru-RU" sz="1600" spc="-1" strike="noStrike">
                 <a:latin typeface="Arial"/>
@@ -4237,6 +4414,11 @@
             </a:endParaRPr>
           </a:p>
           <a:p>
+            <a:pPr>
+              <a:lnSpc>
+                <a:spcPct val="100000"/>
+              </a:lnSpc>
+            </a:pPr>
             <a:r>
               <a:rPr b="0" lang="ru-RU" sz="1400" spc="-1" strike="noStrike">
                 <a:latin typeface="Noto Sans Regular"/>
@@ -4249,7 +4431,11 @@
             </a:endParaRPr>
           </a:p>
           <a:p>
-            <a:pPr algn="just"/>
+            <a:pPr algn="just">
+              <a:lnSpc>
+                <a:spcPct val="100000"/>
+              </a:lnSpc>
+            </a:pPr>
             <a:r>
               <a:rPr b="0" lang="ru-RU" sz="1400" spc="-1" strike="noStrike">
                 <a:latin typeface="Noto Sans Regular"/>
@@ -4265,14 +4451,14 @@
       </p:sp>
       <p:sp>
         <p:nvSpPr>
-          <p:cNvPr id="100" name="TextShape 2"/>
-          <p:cNvSpPr txBox="1"/>
+          <p:cNvPr id="100" name="CustomShape 2"/>
+          <p:cNvSpPr/>
           <p:nvPr/>
         </p:nvSpPr>
         <p:spPr>
           <a:xfrm>
             <a:off x="4968000" y="5328000"/>
-            <a:ext cx="4680000" cy="1301760"/>
+            <a:ext cx="4679640" cy="1155960"/>
           </a:xfrm>
           <a:prstGeom prst="rect">
             <a:avLst/>
@@ -4282,6 +4468,12 @@
             <a:noFill/>
           </a:ln>
         </p:spPr>
+        <p:style>
+          <a:lnRef idx="0"/>
+          <a:fillRef idx="0"/>
+          <a:effectRef idx="0"/>
+          <a:fontRef idx="minor"/>
+        </p:style>
         <p:txBody>
           <a:bodyPr lIns="90000" rIns="90000" tIns="45000" bIns="45000">
             <a:spAutoFit/>
@@ -4304,6 +4496,11 @@
             </a:endParaRPr>
           </a:p>
           <a:p>
+            <a:pPr>
+              <a:lnSpc>
+                <a:spcPct val="100000"/>
+              </a:lnSpc>
+            </a:pPr>
             <a:r>
               <a:rPr b="0" lang="ru-RU" sz="1400" spc="-1" strike="noStrike">
                 <a:latin typeface="Noto Sans Regular"/>
@@ -4325,13 +4522,13 @@
         </p:nvPicPr>
         <p:blipFill>
           <a:blip r:embed="rId2"/>
-          <a:srcRect l="18134" t="29673" r="24724" b="23342"/>
+          <a:srcRect l="18136" t="29676" r="24728" b="23346"/>
           <a:stretch/>
         </p:blipFill>
         <p:spPr>
           <a:xfrm>
             <a:off x="6120000" y="3901680"/>
-            <a:ext cx="2592000" cy="1198800"/>
+            <a:ext cx="2591640" cy="1198440"/>
           </a:xfrm>
           <a:prstGeom prst="rect">
             <a:avLst/>
@@ -4373,14 +4570,14 @@
       </p:grpSpPr>
       <p:sp>
         <p:nvSpPr>
-          <p:cNvPr id="102" name="TextShape 1"/>
-          <p:cNvSpPr txBox="1"/>
+          <p:cNvPr id="102" name="CustomShape 1"/>
+          <p:cNvSpPr/>
           <p:nvPr/>
         </p:nvSpPr>
         <p:spPr>
           <a:xfrm>
-            <a:off x="864720" y="672840"/>
-            <a:ext cx="8855280" cy="1262160"/>
+            <a:off x="864720" y="801000"/>
+            <a:ext cx="8854920" cy="1005120"/>
           </a:xfrm>
           <a:prstGeom prst="rect">
             <a:avLst/>
@@ -4390,11 +4587,22 @@
             <a:noFill/>
           </a:ln>
         </p:spPr>
+        <p:style>
+          <a:lnRef idx="0"/>
+          <a:fillRef idx="0"/>
+          <a:effectRef idx="0"/>
+          <a:fontRef idx="minor"/>
+        </p:style>
         <p:txBody>
           <a:bodyPr lIns="0" rIns="0" tIns="0" bIns="0" anchor="ctr">
             <a:spAutoFit/>
           </a:bodyPr>
           <a:p>
+            <a:pPr>
+              <a:lnSpc>
+                <a:spcPct val="100000"/>
+              </a:lnSpc>
+            </a:pPr>
             <a:r>
               <a:rPr b="0" lang="ru-RU" sz="1600" spc="-1" strike="noStrike">
                 <a:latin typeface="Arial"/>
@@ -4428,7 +4636,7 @@
         <p:spPr>
           <a:xfrm>
             <a:off x="1836000" y="2289240"/>
-            <a:ext cx="6682320" cy="3758760"/>
+            <a:ext cx="6681960" cy="3758400"/>
           </a:xfrm>
           <a:prstGeom prst="rect">
             <a:avLst/>
@@ -4470,14 +4678,14 @@
       </p:grpSpPr>
       <p:sp>
         <p:nvSpPr>
-          <p:cNvPr id="104" name="TextShape 1"/>
-          <p:cNvSpPr txBox="1"/>
+          <p:cNvPr id="104" name="CustomShape 1"/>
+          <p:cNvSpPr/>
           <p:nvPr/>
         </p:nvSpPr>
         <p:spPr>
           <a:xfrm>
-            <a:off x="720000" y="504000"/>
-            <a:ext cx="8855280" cy="1580400"/>
+            <a:off x="720000" y="411840"/>
+            <a:ext cx="8854920" cy="1764720"/>
           </a:xfrm>
           <a:prstGeom prst="rect">
             <a:avLst/>
@@ -4487,11 +4695,22 @@
             <a:noFill/>
           </a:ln>
         </p:spPr>
+        <p:style>
+          <a:lnRef idx="0"/>
+          <a:fillRef idx="0"/>
+          <a:effectRef idx="0"/>
+          <a:fontRef idx="minor"/>
+        </p:style>
         <p:txBody>
           <a:bodyPr lIns="0" rIns="0" tIns="0" bIns="0" anchor="ctr">
             <a:spAutoFit/>
           </a:bodyPr>
           <a:p>
+            <a:pPr>
+              <a:lnSpc>
+                <a:spcPct val="100000"/>
+              </a:lnSpc>
+            </a:pPr>
             <a:r>
               <a:rPr b="0" lang="ru-RU" sz="1600" spc="-1" strike="noStrike">
                 <a:latin typeface="Arial"/>
@@ -4528,13 +4747,13 @@
         </p:nvPicPr>
         <p:blipFill>
           <a:blip r:embed="rId1"/>
-          <a:srcRect l="10990" t="2170" r="17583" b="16560"/>
+          <a:srcRect l="10992" t="2170" r="17585" b="16563"/>
           <a:stretch/>
         </p:blipFill>
         <p:spPr>
           <a:xfrm>
             <a:off x="720000" y="2456640"/>
-            <a:ext cx="4104000" cy="2626560"/>
+            <a:ext cx="4103640" cy="2626200"/>
           </a:xfrm>
           <a:prstGeom prst="rect">
             <a:avLst/>
